--- a/front-end/Computer-Store-Information-Management-System-Group5.pptx
+++ b/front-end/Computer-Store-Information-Management-System-Group5.pptx
@@ -37851,48 +37851,6 @@
       </p:sp>
       <p:sp>
         <p:nvSpPr>
-          <p:cNvPr id="775" name="Google Shape;775;p36"/>
-          <p:cNvSpPr txBox="1">
-            <a:spLocks noGrp="1"/>
-          </p:cNvSpPr>
-          <p:nvPr>
-            <p:ph type="subTitle" idx="1"/>
-          </p:nvPr>
-        </p:nvSpPr>
-        <p:spPr>
-          <a:xfrm>
-            <a:off x="3771048" y="2895436"/>
-            <a:ext cx="2194500" cy="484800"/>
-          </a:xfrm>
-          <a:prstGeom prst="rect">
-            <a:avLst/>
-          </a:prstGeom>
-        </p:spPr>
-        <p:txBody>
-          <a:bodyPr spcFirstLastPara="1" wrap="square" lIns="91425" tIns="91425" rIns="91425" bIns="91425" anchor="ctr" anchorCtr="0">
-            <a:noAutofit/>
-          </a:bodyPr>
-          <a:lstStyle/>
-          <a:p>
-            <a:pPr marL="0" lvl="0" indent="0" algn="l" rtl="0">
-              <a:spcBef>
-                <a:spcPts val="0"/>
-              </a:spcBef>
-              <a:spcAft>
-                <a:spcPts val="0"/>
-              </a:spcAft>
-              <a:buNone/>
-            </a:pPr>
-            <a:r>
-              <a:rPr lang="en"/>
-              <a:t>You can describe the topic of the section here</a:t>
-            </a:r>
-            <a:endParaRPr/>
-          </a:p>
-        </p:txBody>
-      </p:sp>
-      <p:sp>
-        <p:nvSpPr>
           <p:cNvPr id="776" name="Google Shape;776;p36"/>
           <p:cNvSpPr txBox="1">
             <a:spLocks noGrp="1"/>
